--- a/CSE101-S19/Slides/PPT/CSE101_Lec2.pptx
+++ b/CSE101-S19/Slides/PPT/CSE101_Lec2.pptx
@@ -247,7 +247,7 @@
           <a:p>
             <a:fld id="{A25E667E-A4AF-489F-ABBC-742CDB752DA8}" type="datetimeFigureOut">
               <a:rPr lang="en-US" smtClean="0"/>
-              <a:t>2/28/2019</a:t>
+              <a:t>3/5/2019</a:t>
             </a:fld>
             <a:endParaRPr lang="en-US"/>
           </a:p>
@@ -740,7 +740,7 @@
           <a:p>
             <a:fld id="{5D487D00-93DD-4940-8FD7-72D171BB6C86}" type="datetime1">
               <a:rPr lang="en-US" smtClean="0"/>
-              <a:t>2/28/2019</a:t>
+              <a:t>3/5/2019</a:t>
             </a:fld>
             <a:endParaRPr lang="en-US"/>
           </a:p>
@@ -959,7 +959,7 @@
           <a:p>
             <a:fld id="{3831D43E-4F7E-4780-B70F-3538D32CF675}" type="datetime1">
               <a:rPr lang="en-US" smtClean="0"/>
-              <a:t>2/28/2019</a:t>
+              <a:t>3/5/2019</a:t>
             </a:fld>
             <a:endParaRPr lang="en-US"/>
           </a:p>
@@ -1226,7 +1226,7 @@
           <a:p>
             <a:fld id="{99B77B8B-6C04-436C-B9CA-7E32F910B067}" type="datetime1">
               <a:rPr lang="en-US" smtClean="0"/>
-              <a:t>2/28/2019</a:t>
+              <a:t>3/5/2019</a:t>
             </a:fld>
             <a:endParaRPr lang="en-US"/>
           </a:p>
@@ -1411,7 +1411,7 @@
           <a:p>
             <a:fld id="{41552D1F-A211-4519-B9B1-D59FC7C7B6E8}" type="datetime1">
               <a:rPr lang="en-US" smtClean="0"/>
-              <a:t>2/28/2019</a:t>
+              <a:t>3/5/2019</a:t>
             </a:fld>
             <a:endParaRPr lang="en-US"/>
           </a:p>
@@ -1765,7 +1765,7 @@
           <a:p>
             <a:fld id="{D3A158F4-4510-4835-B48A-C9692BE1A9BE}" type="datetime1">
               <a:rPr lang="en-US" smtClean="0"/>
-              <a:t>2/28/2019</a:t>
+              <a:t>3/5/2019</a:t>
             </a:fld>
             <a:endParaRPr lang="en-US"/>
           </a:p>
@@ -2051,7 +2051,7 @@
           <a:p>
             <a:fld id="{3D195FF9-7C0F-4578-9DA5-6E494F24FE4F}" type="datetime1">
               <a:rPr lang="en-US" smtClean="0"/>
-              <a:t>2/28/2019</a:t>
+              <a:t>3/5/2019</a:t>
             </a:fld>
             <a:endParaRPr lang="en-US"/>
           </a:p>
@@ -2441,7 +2441,7 @@
           <a:p>
             <a:fld id="{D6DE9C68-9D2B-475A-BAAD-95B35904D276}" type="datetime1">
               <a:rPr lang="en-US" smtClean="0"/>
-              <a:t>2/28/2019</a:t>
+              <a:t>3/5/2019</a:t>
             </a:fld>
             <a:endParaRPr lang="en-US"/>
           </a:p>
@@ -2570,7 +2570,7 @@
           <a:p>
             <a:fld id="{9A2381F3-F521-49F2-B6F8-8D7496925039}" type="datetime1">
               <a:rPr lang="en-US" smtClean="0"/>
-              <a:t>2/28/2019</a:t>
+              <a:t>3/5/2019</a:t>
             </a:fld>
             <a:endParaRPr lang="en-US"/>
           </a:p>
@@ -2752,7 +2752,7 @@
           <a:p>
             <a:fld id="{C663475C-C634-489E-AF93-64B17549A749}" type="datetime1">
               <a:rPr lang="en-US" smtClean="0"/>
-              <a:t>2/28/2019</a:t>
+              <a:t>3/5/2019</a:t>
             </a:fld>
             <a:endParaRPr lang="en-US"/>
           </a:p>
@@ -3117,7 +3117,7 @@
           <a:p>
             <a:fld id="{10706907-04E0-4508-94B9-19529985F41D}" type="datetime1">
               <a:rPr lang="en-US" smtClean="0"/>
-              <a:t>2/28/2019</a:t>
+              <a:t>3/5/2019</a:t>
             </a:fld>
             <a:endParaRPr lang="en-US"/>
           </a:p>
@@ -3510,7 +3510,7 @@
           <a:p>
             <a:fld id="{A13ADAF9-FDB7-4735-9CB1-5599909F77CE}" type="datetime1">
               <a:rPr lang="en-US" smtClean="0"/>
-              <a:t>2/28/2019</a:t>
+              <a:t>3/5/2019</a:t>
             </a:fld>
             <a:endParaRPr lang="en-US"/>
           </a:p>
@@ -3808,7 +3808,7 @@
           <a:p>
             <a:fld id="{101CA6E8-78F5-4EC8-8C98-EB073A8A7B4F}" type="datetime1">
               <a:rPr lang="en-US" smtClean="0"/>
-              <a:t>2/28/2019</a:t>
+              <a:t>3/5/2019</a:t>
             </a:fld>
             <a:endParaRPr lang="en-US"/>
           </a:p>
@@ -5580,7 +5580,7 @@
           <a:bodyPr/>
           <a:lstStyle/>
           <a:p>
-            <a:endParaRPr lang="en-US" dirty="0"/>
+            <a:endParaRPr lang="en-US"/>
           </a:p>
         </p:txBody>
       </p:sp>
@@ -8938,7 +8938,7 @@
           <a:p>
             <a:r>
               <a:rPr lang="en-US" dirty="0"/>
-              <a:t>Commands and expressions</a:t>
+              <a:t>Expressions</a:t>
             </a:r>
           </a:p>
         </p:txBody>
@@ -8965,6 +8965,27 @@
             <a:normAutofit/>
           </a:bodyPr>
           <a:lstStyle/>
+          <a:p>
+            <a:pPr>
+              <a:spcBef>
+                <a:spcPts val="600"/>
+              </a:spcBef>
+              <a:spcAft>
+                <a:spcPts val="0"/>
+              </a:spcAft>
+              <a:buFont typeface="Arial" panose="020B0604020202020204" pitchFamily="34" charset="0"/>
+              <a:buChar char="•"/>
+            </a:pPr>
+            <a:r>
+              <a:rPr lang="en-US" b="1" dirty="0"/>
+              <a:t>Expression </a:t>
+            </a:r>
+            <a:r>
+              <a:rPr lang="en-US" dirty="0"/>
+              <a:t>represent something like a number, string or value</a:t>
+            </a:r>
+            <a:endParaRPr lang="en-US" b="1" dirty="0"/>
+          </a:p>
           <a:p>
             <a:pPr>
               <a:spcBef>
@@ -9280,7 +9301,7 @@
           <a:p>
             <a:r>
               <a:rPr lang="en-US" dirty="0"/>
-              <a:t>Commands and expressions</a:t>
+              <a:t>Expressions</a:t>
             </a:r>
           </a:p>
         </p:txBody>
@@ -9320,7 +9341,7 @@
             </a:pPr>
             <a:r>
               <a:rPr lang="en-US" dirty="0"/>
-              <a:t>An expression consists of operators and operands</a:t>
+              <a:t>An expression may consists of operators and operands</a:t>
             </a:r>
           </a:p>
           <a:p>
@@ -10149,23 +10170,7 @@
             </a:pPr>
             <a:r>
               <a:rPr lang="en-US" dirty="0"/>
-              <a:t>The symbols used for operators are commonly used in other</a:t>
-            </a:r>
-          </a:p>
-          <a:p>
-            <a:pPr>
-              <a:spcBef>
-                <a:spcPts val="600"/>
-              </a:spcBef>
-              <a:spcAft>
-                <a:spcPts val="0"/>
-              </a:spcAft>
-              <a:buFont typeface="Arial" panose="020B0604020202020204" pitchFamily="34" charset="0"/>
-              <a:buChar char="•"/>
-            </a:pPr>
-            <a:r>
-              <a:rPr lang="en-US" dirty="0"/>
-              <a:t>languages and applications (e.g., spreadsheets)</a:t>
+              <a:t>The symbols used for operators are commonly used in other languages and applications (e.g., spreadsheets)</a:t>
             </a:r>
           </a:p>
           <a:p>
@@ -14316,15 +14321,7 @@
             </a:pPr>
             <a:r>
               <a:rPr lang="en-US" dirty="0"/>
-              <a:t>In the case of the area </a:t>
-            </a:r>
-            <a:r>
-              <a:rPr lang="en-US" dirty="0" err="1"/>
-              <a:t>calcualation</a:t>
-            </a:r>
-            <a:r>
-              <a:rPr lang="en-US" dirty="0"/>
-              <a:t>, the user should enter a number, not a string</a:t>
+              <a:t>In the case of the area calculation, the user should enter a number, not a string</a:t>
             </a:r>
           </a:p>
           <a:p>
@@ -14414,23 +14411,11 @@
             </a:pPr>
             <a:r>
               <a:rPr lang="en-US" dirty="0"/>
-              <a:t>The type </a:t>
-            </a:r>
-            <a:r>
-              <a:rPr lang="en-US" dirty="0" err="1"/>
-              <a:t>choosen</a:t>
-            </a:r>
-            <a:r>
-              <a:rPr lang="en-US" dirty="0"/>
-              <a:t> – </a:t>
-            </a:r>
-            <a:r>
-              <a:rPr lang="en-US" b="1" dirty="0" err="1"/>
-              <a:t>int</a:t>
+              <a:t>The type chosen – </a:t>
             </a:r>
             <a:r>
               <a:rPr lang="en-US" b="1" dirty="0"/>
-              <a:t> </a:t>
+              <a:t>int </a:t>
             </a:r>
             <a:r>
               <a:rPr lang="en-US" dirty="0"/>
@@ -15612,19 +15597,19 @@
               <a:buChar char="•"/>
             </a:pPr>
             <a:r>
-              <a:rPr lang="en-US" dirty="0"/>
+              <a:rPr lang="en-US" sz="1600" dirty="0"/>
               <a:t>Recall that </a:t>
             </a:r>
             <a:r>
-              <a:rPr lang="en-US" b="1" dirty="0" err="1"/>
+              <a:rPr lang="en-US" sz="1600" b="1" dirty="0" err="1"/>
               <a:t>str</a:t>
             </a:r>
             <a:r>
-              <a:rPr lang="en-US" b="1" dirty="0"/>
+              <a:rPr lang="en-US" sz="1600" b="1" dirty="0"/>
               <a:t> </a:t>
             </a:r>
             <a:r>
-              <a:rPr lang="en-US" dirty="0"/>
+              <a:rPr lang="en-US" sz="1600" dirty="0"/>
               <a:t>converts a number to a string so that it can be concatenated with other strings</a:t>
             </a:r>
           </a:p>
@@ -16258,7 +16243,7 @@
               <a:t>\” </a:t>
             </a:r>
             <a:r>
-              <a:rPr lang="fr-FR" dirty="0" err="1"/>
+              <a:rPr lang="en-US" dirty="0"/>
               <a:t>prints</a:t>
             </a:r>
             <a:r>
@@ -16266,12 +16251,12 @@
               <a:t> a double </a:t>
             </a:r>
             <a:r>
-              <a:rPr lang="fr-FR" dirty="0" err="1"/>
-              <a:t>quotation</a:t>
+              <a:rPr lang="en-US" dirty="0"/>
+              <a:t>quotation </a:t>
             </a:r>
             <a:r>
               <a:rPr lang="fr-FR" dirty="0"/>
-              <a:t> mark</a:t>
+              <a:t>mark</a:t>
             </a:r>
           </a:p>
           <a:p>
